--- a/Courses/Software-Sciences/Module-3-Databases-New/13-MS-Access/13-MS-Access-Basics.pptx
+++ b/Courses/Software-Sciences/Module-3-Databases-New/13-MS-Access/13-MS-Access-Basics.pptx
@@ -341,7 +341,7 @@
           <a:p>
             <a:fld id="{4E087215-0C8F-4762-A664-737A353EC9A4}" type="datetimeFigureOut">
               <a:rPr lang="bg-BG" smtClean="0"/>
-              <a:t>18.12.2023 г.</a:t>
+              <a:t>16.4.2024 г.</a:t>
             </a:fld>
             <a:endParaRPr lang="bg-BG"/>
           </a:p>
@@ -537,7 +537,7 @@
           <a:p>
             <a:fld id="{72D84649-876A-46C9-8472-14CB09C070D8}" type="datetimeFigureOut">
               <a:rPr lang="en-US" smtClean="0"/>
-              <a:t>12/18/2023</a:t>
+              <a:t>4/16/2024</a:t>
             </a:fld>
             <a:endParaRPr lang="en-US"/>
           </a:p>
@@ -13218,8 +13218,8 @@
         </p:nvSpPr>
         <p:spPr>
           <a:xfrm>
-            <a:off x="291000" y="1224000"/>
-            <a:ext cx="8460000" cy="5520646"/>
+            <a:off x="190405" y="1224000"/>
+            <a:ext cx="8560595" cy="5520646"/>
           </a:xfrm>
         </p:spPr>
         <p:txBody>
@@ -13391,7 +13391,7 @@
             </a:pPr>
             <a:r>
               <a:rPr lang="bg-BG" sz="3600" dirty="0"/>
-              <a:t>Импорт от </a:t>
+              <a:t>Импортиране от </a:t>
             </a:r>
             <a:r>
               <a:rPr lang="bg-BG" sz="3600" b="1" dirty="0">

--- a/Courses/Software-Sciences/Module-3-Databases-New/13-MS-Access/13-MS-Access-Basics.pptx
+++ b/Courses/Software-Sciences/Module-3-Databases-New/13-MS-Access/13-MS-Access-Basics.pptx
@@ -341,7 +341,7 @@
           <a:p>
             <a:fld id="{4E087215-0C8F-4762-A664-737A353EC9A4}" type="datetimeFigureOut">
               <a:rPr lang="bg-BG" smtClean="0"/>
-              <a:t>16.4.2024 г.</a:t>
+              <a:t>31.07.24 г.</a:t>
             </a:fld>
             <a:endParaRPr lang="bg-BG"/>
           </a:p>
@@ -537,7 +537,7 @@
           <a:p>
             <a:fld id="{72D84649-876A-46C9-8472-14CB09C070D8}" type="datetimeFigureOut">
               <a:rPr lang="en-US" smtClean="0"/>
-              <a:t>4/16/2024</a:t>
+              <a:t>7/31/24</a:t>
             </a:fld>
             <a:endParaRPr lang="en-US"/>
           </a:p>
@@ -8576,7 +8576,7 @@
       </p:pic>
       <p:pic>
         <p:nvPicPr>
-          <p:cNvPr id="4" name="Picture 3" descr="A yellow and blue sign with white text&#10;&#10;Description automatically generated">
+          <p:cNvPr id="4" name="Picture 3">
             <a:extLst>
               <a:ext uri="{FF2B5EF4-FFF2-40B4-BE49-F238E27FC236}">
                 <a16:creationId xmlns:a16="http://schemas.microsoft.com/office/drawing/2014/main" id="{9D48BA8A-5BB8-9D84-E56D-D9D783E2E862}"/>
@@ -8596,14 +8596,13 @@
               </a:ext>
             </a:extLst>
           </a:blip>
-          <a:stretch>
-            <a:fillRect/>
-          </a:stretch>
+          <a:srcRect/>
+          <a:stretch/>
         </p:blipFill>
         <p:spPr>
           <a:xfrm>
-            <a:off x="584311" y="3001428"/>
-            <a:ext cx="1956689" cy="877572"/>
+            <a:off x="584311" y="3002368"/>
+            <a:ext cx="1956689" cy="875691"/>
           </a:xfrm>
           <a:prstGeom prst="rect">
             <a:avLst/>
@@ -9239,6 +9238,71 @@
               </a:rPr>
               <a:t>местоположение</a:t>
             </a:r>
+            <a:endParaRPr lang="en-US" b="1" dirty="0">
+              <a:solidFill>
+                <a:schemeClr val="bg1"/>
+              </a:solidFill>
+            </a:endParaRPr>
+          </a:p>
+          <a:p>
+            <a:endParaRPr lang="en-US" b="1" dirty="0">
+              <a:solidFill>
+                <a:schemeClr val="bg1"/>
+              </a:solidFill>
+            </a:endParaRPr>
+          </a:p>
+          <a:p>
+            <a:endParaRPr lang="en-US" b="1" dirty="0">
+              <a:solidFill>
+                <a:schemeClr val="bg1"/>
+              </a:solidFill>
+            </a:endParaRPr>
+          </a:p>
+          <a:p>
+            <a:endParaRPr lang="en-US" b="1" dirty="0">
+              <a:solidFill>
+                <a:schemeClr val="bg1"/>
+              </a:solidFill>
+            </a:endParaRPr>
+          </a:p>
+          <a:p>
+            <a:endParaRPr lang="en-US" b="1" dirty="0">
+              <a:solidFill>
+                <a:schemeClr val="bg1"/>
+              </a:solidFill>
+            </a:endParaRPr>
+          </a:p>
+          <a:p>
+            <a:r>
+              <a:rPr lang="ru-RU" sz="3600" dirty="0"/>
+              <a:t>Натиснете </a:t>
+            </a:r>
+            <a:r>
+              <a:rPr lang="en-US" sz="3600" dirty="0">
+                <a:latin typeface="Consolas" pitchFamily="49" charset="0"/>
+              </a:rPr>
+              <a:t>[</a:t>
+            </a:r>
+            <a:r>
+              <a:rPr lang="en-US" sz="3600" b="1" dirty="0">
+                <a:solidFill>
+                  <a:schemeClr val="bg1"/>
+                </a:solidFill>
+                <a:latin typeface="Consolas" pitchFamily="49" charset="0"/>
+              </a:rPr>
+              <a:t>Create</a:t>
+            </a:r>
+            <a:r>
+              <a:rPr lang="en-US" sz="3600" dirty="0">
+                <a:latin typeface="Consolas" pitchFamily="49" charset="0"/>
+              </a:rPr>
+              <a:t>]</a:t>
+            </a:r>
+          </a:p>
+          <a:p>
+            <a:pPr marL="0" indent="0">
+              <a:buNone/>
+            </a:pPr>
             <a:endParaRPr lang="ru-RU" b="1" dirty="0">
               <a:solidFill>
                 <a:schemeClr val="bg1"/>
@@ -9318,163 +9382,142 @@
           </a:p>
         </p:txBody>
       </p:sp>
-      <p:grpSp>
-        <p:nvGrpSpPr>
-          <p:cNvPr id="13" name="Group 12">
+      <p:pic>
+        <p:nvPicPr>
+          <p:cNvPr id="9" name="Picture 8">
             <a:extLst>
               <a:ext uri="{FF2B5EF4-FFF2-40B4-BE49-F238E27FC236}">
-                <a16:creationId xmlns:a16="http://schemas.microsoft.com/office/drawing/2014/main" id="{1D0495DB-7A68-B440-954D-DB8BB14FEBFC}"/>
+                <a16:creationId xmlns:a16="http://schemas.microsoft.com/office/drawing/2014/main" id="{1275551D-EDAE-5A75-B650-9601D224CE5B}"/>
               </a:ext>
             </a:extLst>
           </p:cNvPr>
-          <p:cNvGrpSpPr/>
+          <p:cNvPicPr>
+            <a:picLocks noChangeAspect="1"/>
+          </p:cNvPicPr>
           <p:nvPr/>
-        </p:nvGrpSpPr>
-        <p:grpSpPr>
+        </p:nvPicPr>
+        <p:blipFill>
+          <a:blip r:embed="rId3"/>
+          <a:stretch>
+            <a:fillRect/>
+          </a:stretch>
+        </p:blipFill>
+        <p:spPr>
           <a:xfrm>
-            <a:off x="576885" y="2889000"/>
-            <a:ext cx="10874115" cy="3419952"/>
-            <a:chOff x="291000" y="2889000"/>
-            <a:chExt cx="10874115" cy="3419952"/>
+            <a:off x="5131491" y="2889000"/>
+            <a:ext cx="5659066" cy="2655001"/>
           </a:xfrm>
-        </p:grpSpPr>
-        <p:pic>
-          <p:nvPicPr>
-            <p:cNvPr id="9" name="Picture 8">
-              <a:extLst>
-                <a:ext uri="{FF2B5EF4-FFF2-40B4-BE49-F238E27FC236}">
-                  <a16:creationId xmlns:a16="http://schemas.microsoft.com/office/drawing/2014/main" id="{1275551D-EDAE-5A75-B650-9601D224CE5B}"/>
-                </a:ext>
-              </a:extLst>
-            </p:cNvPr>
-            <p:cNvPicPr>
-              <a:picLocks noChangeAspect="1"/>
-            </p:cNvPicPr>
-            <p:nvPr/>
-          </p:nvPicPr>
-          <p:blipFill>
-            <a:blip r:embed="rId3"/>
-            <a:stretch>
-              <a:fillRect/>
-            </a:stretch>
-          </p:blipFill>
-          <p:spPr>
-            <a:xfrm>
-              <a:off x="4611000" y="2889000"/>
-              <a:ext cx="6554115" cy="3419952"/>
-            </a:xfrm>
-            <a:prstGeom prst="rect">
-              <a:avLst/>
-            </a:prstGeom>
-          </p:spPr>
-        </p:pic>
-        <p:sp>
-          <p:nvSpPr>
-            <p:cNvPr id="10" name="Arrow: Right 9">
-              <a:extLst>
-                <a:ext uri="{FF2B5EF4-FFF2-40B4-BE49-F238E27FC236}">
-                  <a16:creationId xmlns:a16="http://schemas.microsoft.com/office/drawing/2014/main" id="{6F980976-422F-A48F-F264-FA8DF064E4AB}"/>
-                </a:ext>
-              </a:extLst>
-            </p:cNvPr>
-            <p:cNvSpPr/>
-            <p:nvPr/>
-          </p:nvSpPr>
-          <p:spPr bwMode="auto">
-            <a:xfrm>
-              <a:off x="3846000" y="4454093"/>
-              <a:ext cx="585000" cy="289766"/>
-            </a:xfrm>
-            <a:prstGeom prst="rightArrow">
-              <a:avLst/>
-            </a:prstGeom>
+          <a:prstGeom prst="rect">
+            <a:avLst/>
+          </a:prstGeom>
+        </p:spPr>
+      </p:pic>
+      <p:sp>
+        <p:nvSpPr>
+          <p:cNvPr id="10" name="Arrow: Right 9">
+            <a:extLst>
+              <a:ext uri="{FF2B5EF4-FFF2-40B4-BE49-F238E27FC236}">
+                <a16:creationId xmlns:a16="http://schemas.microsoft.com/office/drawing/2014/main" id="{6F980976-422F-A48F-F264-FA8DF064E4AB}"/>
+              </a:ext>
+            </a:extLst>
+          </p:cNvPr>
+          <p:cNvSpPr/>
+          <p:nvPr/>
+        </p:nvSpPr>
+        <p:spPr bwMode="auto">
+          <a:xfrm>
+            <a:off x="4470961" y="4104024"/>
+            <a:ext cx="505111" cy="224953"/>
+          </a:xfrm>
+          <a:prstGeom prst="rightArrow">
+            <a:avLst/>
+          </a:prstGeom>
+          <a:solidFill>
+            <a:schemeClr val="dk2">
+              <a:alpha val="80000"/>
+            </a:schemeClr>
+          </a:solidFill>
+          <a:ln w="19050">
             <a:solidFill>
-              <a:schemeClr val="dk2">
+              <a:schemeClr val="tx1">
+                <a:lumMod val="75000"/>
                 <a:alpha val="80000"/>
               </a:schemeClr>
             </a:solidFill>
-            <a:ln w="19050">
+          </a:ln>
+          <a:effectLst/>
+        </p:spPr>
+        <p:style>
+          <a:lnRef idx="2">
+            <a:schemeClr val="accent1">
+              <a:shade val="50000"/>
+            </a:schemeClr>
+          </a:lnRef>
+          <a:fillRef idx="1001">
+            <a:schemeClr val="dk2"/>
+          </a:fillRef>
+          <a:effectRef idx="0">
+            <a:schemeClr val="accent1"/>
+          </a:effectRef>
+          <a:fontRef idx="minor">
+            <a:schemeClr val="lt1"/>
+          </a:fontRef>
+        </p:style>
+        <p:txBody>
+          <a:bodyPr rot="0" spcFirstLastPara="0" vertOverflow="overflow" horzOverflow="overflow" vert="horz" wrap="square" lIns="91440" tIns="45720" rIns="91440" bIns="45720" numCol="1" spcCol="0" rtlCol="0" fromWordArt="0" anchor="ctr" anchorCtr="0" forceAA="0" compatLnSpc="1">
+            <a:prstTxWarp prst="textNoShape">
+              <a:avLst/>
+            </a:prstTxWarp>
+            <a:noAutofit/>
+          </a:bodyPr>
+          <a:lstStyle/>
+          <a:p>
+            <a:pPr algn="ctr"/>
+            <a:endParaRPr lang="en-US" sz="2800" b="1" dirty="0">
               <a:solidFill>
-                <a:schemeClr val="tx1">
-                  <a:lumMod val="75000"/>
-                  <a:alpha val="80000"/>
-                </a:schemeClr>
+                <a:srgbClr val="FFFFFF"/>
               </a:solidFill>
-            </a:ln>
-            <a:effectLst/>
-          </p:spPr>
-          <p:style>
-            <a:lnRef idx="2">
-              <a:schemeClr val="accent1">
-                <a:shade val="50000"/>
-              </a:schemeClr>
-            </a:lnRef>
-            <a:fillRef idx="1001">
-              <a:schemeClr val="dk2"/>
-            </a:fillRef>
-            <a:effectRef idx="0">
-              <a:schemeClr val="accent1"/>
-            </a:effectRef>
-            <a:fontRef idx="minor">
-              <a:schemeClr val="lt1"/>
-            </a:fontRef>
-          </p:style>
-          <p:txBody>
-            <a:bodyPr rot="0" spcFirstLastPara="0" vertOverflow="overflow" horzOverflow="overflow" vert="horz" wrap="square" lIns="91440" tIns="45720" rIns="91440" bIns="45720" numCol="1" spcCol="0" rtlCol="0" fromWordArt="0" anchor="ctr" anchorCtr="0" forceAA="0" compatLnSpc="1">
-              <a:prstTxWarp prst="textNoShape">
-                <a:avLst/>
-              </a:prstTxWarp>
-              <a:noAutofit/>
-            </a:bodyPr>
-            <a:lstStyle/>
-            <a:p>
-              <a:pPr algn="ctr"/>
-              <a:endParaRPr lang="en-US" sz="2800" b="1" dirty="0">
-                <a:solidFill>
-                  <a:srgbClr val="FFFFFF"/>
-                </a:solidFill>
-                <a:effectLst>
-                  <a:outerShdw blurRad="38100" dist="38100" dir="2700000" algn="tl">
-                    <a:srgbClr val="000000">
-                      <a:alpha val="43137"/>
-                    </a:srgbClr>
-                  </a:outerShdw>
-                </a:effectLst>
-              </a:endParaRPr>
-            </a:p>
-          </p:txBody>
-        </p:sp>
-        <p:pic>
-          <p:nvPicPr>
-            <p:cNvPr id="12" name="Picture 11">
-              <a:extLst>
-                <a:ext uri="{FF2B5EF4-FFF2-40B4-BE49-F238E27FC236}">
-                  <a16:creationId xmlns:a16="http://schemas.microsoft.com/office/drawing/2014/main" id="{54B4D3E3-2E40-6956-0FD4-C9F4C3998D5F}"/>
-                </a:ext>
-              </a:extLst>
-            </p:cNvPr>
-            <p:cNvPicPr>
-              <a:picLocks noChangeAspect="1"/>
-            </p:cNvPicPr>
-            <p:nvPr/>
-          </p:nvPicPr>
-          <p:blipFill>
-            <a:blip r:embed="rId4"/>
-            <a:stretch>
-              <a:fillRect/>
-            </a:stretch>
-          </p:blipFill>
-          <p:spPr>
-            <a:xfrm>
-              <a:off x="291000" y="3176530"/>
-              <a:ext cx="3319042" cy="2844893"/>
-            </a:xfrm>
-            <a:prstGeom prst="rect">
-              <a:avLst/>
-            </a:prstGeom>
-          </p:spPr>
-        </p:pic>
-      </p:grpSp>
+              <a:effectLst>
+                <a:outerShdw blurRad="38100" dist="38100" dir="2700000" algn="tl">
+                  <a:srgbClr val="000000">
+                    <a:alpha val="43137"/>
+                  </a:srgbClr>
+                </a:outerShdw>
+              </a:effectLst>
+            </a:endParaRPr>
+          </a:p>
+        </p:txBody>
+      </p:sp>
+      <p:pic>
+        <p:nvPicPr>
+          <p:cNvPr id="12" name="Picture 11">
+            <a:extLst>
+              <a:ext uri="{FF2B5EF4-FFF2-40B4-BE49-F238E27FC236}">
+                <a16:creationId xmlns:a16="http://schemas.microsoft.com/office/drawing/2014/main" id="{54B4D3E3-2E40-6956-0FD4-C9F4C3998D5F}"/>
+              </a:ext>
+            </a:extLst>
+          </p:cNvPr>
+          <p:cNvPicPr>
+            <a:picLocks noChangeAspect="1"/>
+          </p:cNvPicPr>
+          <p:nvPr/>
+        </p:nvPicPr>
+        <p:blipFill>
+          <a:blip r:embed="rId4"/>
+          <a:stretch>
+            <a:fillRect/>
+          </a:stretch>
+        </p:blipFill>
+        <p:spPr>
+          <a:xfrm>
+            <a:off x="1401442" y="3112217"/>
+            <a:ext cx="2865784" cy="2208567"/>
+          </a:xfrm>
+          <a:prstGeom prst="rect">
+            <a:avLst/>
+          </a:prstGeom>
+        </p:spPr>
+      </p:pic>
     </p:spTree>
     <p:extLst>
       <p:ext uri="{BB962C8B-B14F-4D97-AF65-F5344CB8AC3E}">
@@ -9544,6 +9587,109 @@
                                   </p:childTnLst>
                                 </p:cTn>
                               </p:par>
+                              <p:par>
+                                <p:cTn id="7" presetID="1" presetClass="entr" presetSubtype="0" fill="hold" nodeType="withEffect">
+                                  <p:stCondLst>
+                                    <p:cond delay="0"/>
+                                  </p:stCondLst>
+                                  <p:childTnLst>
+                                    <p:set>
+                                      <p:cBhvr>
+                                        <p:cTn id="8" dur="1" fill="hold">
+                                          <p:stCondLst>
+                                            <p:cond delay="0"/>
+                                          </p:stCondLst>
+                                        </p:cTn>
+                                        <p:tgtEl>
+                                          <p:spTgt spid="9"/>
+                                        </p:tgtEl>
+                                        <p:attrNameLst>
+                                          <p:attrName>style.visibility</p:attrName>
+                                        </p:attrNameLst>
+                                      </p:cBhvr>
+                                      <p:to>
+                                        <p:strVal val="visible"/>
+                                      </p:to>
+                                    </p:set>
+                                  </p:childTnLst>
+                                </p:cTn>
+                              </p:par>
+                              <p:par>
+                                <p:cTn id="9" presetID="1" presetClass="entr" presetSubtype="0" fill="hold" grpId="0" nodeType="withEffect">
+                                  <p:stCondLst>
+                                    <p:cond delay="0"/>
+                                  </p:stCondLst>
+                                  <p:childTnLst>
+                                    <p:set>
+                                      <p:cBhvr>
+                                        <p:cTn id="10" dur="1" fill="hold">
+                                          <p:stCondLst>
+                                            <p:cond delay="0"/>
+                                          </p:stCondLst>
+                                        </p:cTn>
+                                        <p:tgtEl>
+                                          <p:spTgt spid="10"/>
+                                        </p:tgtEl>
+                                        <p:attrNameLst>
+                                          <p:attrName>style.visibility</p:attrName>
+                                        </p:attrNameLst>
+                                      </p:cBhvr>
+                                      <p:to>
+                                        <p:strVal val="visible"/>
+                                      </p:to>
+                                    </p:set>
+                                  </p:childTnLst>
+                                </p:cTn>
+                              </p:par>
+                            </p:childTnLst>
+                          </p:cTn>
+                        </p:par>
+                      </p:childTnLst>
+                    </p:cTn>
+                  </p:par>
+                  <p:par>
+                    <p:cTn id="11" fill="hold">
+                      <p:stCondLst>
+                        <p:cond delay="indefinite"/>
+                      </p:stCondLst>
+                      <p:childTnLst>
+                        <p:par>
+                          <p:cTn id="12" fill="hold">
+                            <p:stCondLst>
+                              <p:cond delay="0"/>
+                            </p:stCondLst>
+                            <p:childTnLst>
+                              <p:par>
+                                <p:cTn id="13" presetID="1" presetClass="entr" presetSubtype="0" fill="hold" nodeType="clickEffect">
+                                  <p:stCondLst>
+                                    <p:cond delay="0"/>
+                                  </p:stCondLst>
+                                  <p:childTnLst>
+                                    <p:set>
+                                      <p:cBhvr>
+                                        <p:cTn id="14" dur="1" fill="hold">
+                                          <p:stCondLst>
+                                            <p:cond delay="0"/>
+                                          </p:stCondLst>
+                                        </p:cTn>
+                                        <p:tgtEl>
+                                          <p:spTgt spid="3">
+                                            <p:txEl>
+                                              <p:pRg st="6" end="6"/>
+                                            </p:txEl>
+                                          </p:spTgt>
+                                        </p:tgtEl>
+                                        <p:attrNameLst>
+                                          <p:attrName>style.visibility</p:attrName>
+                                        </p:attrNameLst>
+                                      </p:cBhvr>
+                                      <p:to>
+                                        <p:strVal val="visible"/>
+                                      </p:to>
+                                    </p:set>
+                                  </p:childTnLst>
+                                </p:cTn>
+                              </p:par>
                             </p:childTnLst>
                           </p:cTn>
                         </p:par>
@@ -9571,6 +9717,9 @@
         </p:cTn>
       </p:par>
     </p:tnLst>
+    <p:bldLst>
+      <p:bldP spid="10" grpId="0" animBg="1"/>
+    </p:bldLst>
   </p:timing>
 </p:sld>
 </file>
@@ -9619,41 +9768,6 @@
               <a:spcAft>
                 <a:spcPts val="400"/>
               </a:spcAft>
-            </a:pPr>
-            <a:r>
-              <a:rPr lang="ru-RU" sz="3200" dirty="0"/>
-              <a:t>Натиснете </a:t>
-            </a:r>
-            <a:r>
-              <a:rPr lang="en-US" sz="3200" dirty="0">
-                <a:latin typeface="Consolas" pitchFamily="49" charset="0"/>
-              </a:rPr>
-              <a:t>[</a:t>
-            </a:r>
-            <a:r>
-              <a:rPr lang="en-US" sz="3200" b="1" dirty="0">
-                <a:solidFill>
-                  <a:schemeClr val="bg1"/>
-                </a:solidFill>
-                <a:latin typeface="Consolas" pitchFamily="49" charset="0"/>
-              </a:rPr>
-              <a:t>Create</a:t>
-            </a:r>
-            <a:r>
-              <a:rPr lang="en-US" sz="3200" dirty="0">
-                <a:latin typeface="Consolas" pitchFamily="49" charset="0"/>
-              </a:rPr>
-              <a:t>]</a:t>
-            </a:r>
-          </a:p>
-          <a:p>
-            <a:pPr>
-              <a:spcBef>
-                <a:spcPts val="400"/>
-              </a:spcBef>
-              <a:spcAft>
-                <a:spcPts val="400"/>
-              </a:spcAft>
               <a:buClr>
                 <a:schemeClr val="tx1"/>
               </a:buClr>
@@ -9818,8 +9932,8 @@
         </p:blipFill>
         <p:spPr>
           <a:xfrm>
-            <a:off x="2339292" y="2935468"/>
-            <a:ext cx="7513416" cy="3720032"/>
+            <a:off x="1821000" y="2273736"/>
+            <a:ext cx="8550000" cy="4233264"/>
           </a:xfrm>
           <a:prstGeom prst="rect">
             <a:avLst/>
@@ -9856,6 +9970,9 @@
                     <p:cTn id="3" fill="hold">
                       <p:stCondLst>
                         <p:cond delay="indefinite"/>
+                        <p:cond evt="onBegin" delay="0">
+                          <p:tn val="2"/>
+                        </p:cond>
                       </p:stCondLst>
                       <p:childTnLst>
                         <p:par>
@@ -9865,7 +9982,7 @@
                             </p:stCondLst>
                             <p:childTnLst>
                               <p:par>
-                                <p:cTn id="5" presetID="1" presetClass="entr" presetSubtype="0" fill="hold" nodeType="clickEffect">
+                                <p:cTn id="5" presetID="1" presetClass="entr" presetSubtype="0" fill="hold" nodeType="withEffect">
                                   <p:stCondLst>
                                     <p:cond delay="0"/>
                                   </p:stCondLst>
@@ -9880,7 +9997,7 @@
                                         <p:tgtEl>
                                           <p:spTgt spid="3">
                                             <p:txEl>
-                                              <p:pRg st="1" end="1"/>
+                                              <p:pRg st="0" end="0"/>
                                             </p:txEl>
                                           </p:spTgt>
                                         </p:tgtEl>
@@ -13260,38 +13377,39 @@
               <a:spcBef>
                 <a:spcPts val="400"/>
               </a:spcBef>
+              <a:buClr>
+                <a:schemeClr val="tx1"/>
+              </a:buClr>
             </a:pPr>
             <a:r>
+              <a:rPr lang="en-US" dirty="0">
+                <a:solidFill>
+                  <a:schemeClr val="bg1"/>
+                </a:solidFill>
+              </a:rPr>
+              <a:t>͏</a:t>
+            </a:r>
+            <a:r>
+              <a:rPr lang="bg-BG" b="1" dirty="0">
+                <a:solidFill>
+                  <a:schemeClr val="bg1"/>
+                </a:solidFill>
+              </a:rPr>
+              <a:t>Основни операции</a:t>
+            </a:r>
+            <a:r>
               <a:rPr lang="bg-BG" dirty="0"/>
-              <a:t>Създаване на </a:t>
-            </a:r>
-            <a:r>
-              <a:rPr lang="bg-BG" b="1" dirty="0">
-                <a:solidFill>
-                  <a:schemeClr val="bg1"/>
-                </a:solidFill>
-              </a:rPr>
-              <a:t>таблици</a:t>
-            </a:r>
-            <a:r>
-              <a:rPr lang="bg-BG" dirty="0"/>
-              <a:t> и </a:t>
-            </a:r>
-            <a:br>
-              <a:rPr lang="bg-BG" dirty="0"/>
-            </a:br>
-            <a:r>
-              <a:rPr lang="bg-BG" dirty="0"/>
-              <a:t>попълване на </a:t>
-            </a:r>
-            <a:r>
-              <a:rPr lang="bg-BG" b="1" dirty="0">
-                <a:solidFill>
-                  <a:schemeClr val="bg1"/>
-                </a:solidFill>
-              </a:rPr>
-              <a:t>данни</a:t>
-            </a:r>
+              <a:t> в </a:t>
+            </a:r>
+            <a:r>
+              <a:rPr lang="en-US" dirty="0"/>
+              <a:t>MS Access</a:t>
+            </a:r>
+            <a:endParaRPr lang="bg-BG" b="1" dirty="0">
+              <a:solidFill>
+                <a:schemeClr val="bg1"/>
+              </a:solidFill>
+            </a:endParaRPr>
           </a:p>
           <a:p>
             <a:pPr lvl="1">
@@ -15112,8 +15230,8 @@
         </p:blipFill>
         <p:spPr>
           <a:xfrm>
-            <a:off x="3571746" y="3744000"/>
-            <a:ext cx="5224430" cy="2385384"/>
+            <a:off x="2843156" y="3429000"/>
+            <a:ext cx="6505688" cy="2970384"/>
           </a:xfrm>
           <a:prstGeom prst="rect">
             <a:avLst/>
@@ -15141,8 +15259,8 @@
         </p:nvSpPr>
         <p:spPr>
           <a:xfrm>
-            <a:off x="3891000" y="5647434"/>
-            <a:ext cx="1530000" cy="315000"/>
+            <a:off x="3171000" y="5811025"/>
+            <a:ext cx="1793518" cy="317975"/>
           </a:xfrm>
           <a:prstGeom prst="roundRect">
             <a:avLst>
@@ -15208,8 +15326,8 @@
         </p:nvSpPr>
         <p:spPr>
           <a:xfrm>
-            <a:off x="6726000" y="4329000"/>
-            <a:ext cx="945000" cy="270000"/>
+            <a:off x="6771000" y="4149000"/>
+            <a:ext cx="1107761" cy="336216"/>
           </a:xfrm>
           <a:prstGeom prst="roundRect">
             <a:avLst>
@@ -16913,15 +17031,33 @@
                                   </p:childTnLst>
                                 </p:cTn>
                               </p:par>
+                            </p:childTnLst>
+                          </p:cTn>
+                        </p:par>
+                      </p:childTnLst>
+                    </p:cTn>
+                  </p:par>
+                  <p:par>
+                    <p:cTn id="7" fill="hold">
+                      <p:stCondLst>
+                        <p:cond delay="indefinite"/>
+                      </p:stCondLst>
+                      <p:childTnLst>
+                        <p:par>
+                          <p:cTn id="8" fill="hold">
+                            <p:stCondLst>
+                              <p:cond delay="0"/>
+                            </p:stCondLst>
+                            <p:childTnLst>
                               <p:par>
-                                <p:cTn id="7" presetID="1" presetClass="entr" presetSubtype="0" fill="hold" nodeType="withEffect">
+                                <p:cTn id="9" presetID="1" presetClass="entr" presetSubtype="0" fill="hold" nodeType="clickEffect">
                                   <p:stCondLst>
                                     <p:cond delay="0"/>
                                   </p:stCondLst>
                                   <p:childTnLst>
                                     <p:set>
                                       <p:cBhvr>
-                                        <p:cTn id="8" dur="1" fill="hold">
+                                        <p:cTn id="10" dur="1" fill="hold">
                                           <p:stCondLst>
                                             <p:cond delay="0"/>
                                           </p:stCondLst>
@@ -16951,26 +17087,26 @@
                     </p:cTn>
                   </p:par>
                   <p:par>
-                    <p:cTn id="9" fill="hold">
+                    <p:cTn id="11" fill="hold">
                       <p:stCondLst>
                         <p:cond delay="indefinite"/>
                       </p:stCondLst>
                       <p:childTnLst>
                         <p:par>
-                          <p:cTn id="10" fill="hold">
+                          <p:cTn id="12" fill="hold">
                             <p:stCondLst>
                               <p:cond delay="0"/>
                             </p:stCondLst>
                             <p:childTnLst>
                               <p:par>
-                                <p:cTn id="11" presetID="1" presetClass="entr" presetSubtype="0" fill="hold" nodeType="clickEffect">
+                                <p:cTn id="13" presetID="1" presetClass="entr" presetSubtype="0" fill="hold" nodeType="clickEffect">
                                   <p:stCondLst>
                                     <p:cond delay="0"/>
                                   </p:stCondLst>
                                   <p:childTnLst>
                                     <p:set>
                                       <p:cBhvr>
-                                        <p:cTn id="12" dur="1" fill="hold">
+                                        <p:cTn id="14" dur="1" fill="hold">
                                           <p:stCondLst>
                                             <p:cond delay="0"/>
                                           </p:stCondLst>
@@ -18888,10 +19024,9 @@
           <a:lstStyle/>
           <a:p>
             <a:r>
-              <a:rPr lang="en-US"/>
-              <a:t>MS Access</a:t>
-            </a:r>
-            <a:endParaRPr lang="bg-BG"/>
+              <a:rPr lang="bg-BG" dirty="0"/>
+              <a:t>Същност и употреба</a:t>
+            </a:r>
           </a:p>
         </p:txBody>
       </p:sp>
@@ -18917,9 +19052,10 @@
           <a:lstStyle/>
           <a:p>
             <a:r>
-              <a:rPr lang="bg-BG"/>
-              <a:t>Същност и употреба</a:t>
-            </a:r>
+              <a:rPr lang="en-US" dirty="0"/>
+              <a:t>MS Access</a:t>
+            </a:r>
+            <a:endParaRPr lang="bg-BG" dirty="0"/>
           </a:p>
         </p:txBody>
       </p:sp>
@@ -22450,6 +22586,55 @@
                                         <p:tgtEl>
                                           <p:spTgt spid="3">
                                             <p:txEl>
+                                              <p:pRg st="1" end="1"/>
+                                            </p:txEl>
+                                          </p:spTgt>
+                                        </p:tgtEl>
+                                        <p:attrNameLst>
+                                          <p:attrName>style.visibility</p:attrName>
+                                        </p:attrNameLst>
+                                      </p:cBhvr>
+                                      <p:to>
+                                        <p:strVal val="visible"/>
+                                      </p:to>
+                                    </p:set>
+                                  </p:childTnLst>
+                                </p:cTn>
+                              </p:par>
+                            </p:childTnLst>
+                          </p:cTn>
+                        </p:par>
+                      </p:childTnLst>
+                    </p:cTn>
+                  </p:par>
+                  <p:par>
+                    <p:cTn id="7" fill="hold">
+                      <p:stCondLst>
+                        <p:cond delay="indefinite"/>
+                      </p:stCondLst>
+                      <p:childTnLst>
+                        <p:par>
+                          <p:cTn id="8" fill="hold">
+                            <p:stCondLst>
+                              <p:cond delay="0"/>
+                            </p:stCondLst>
+                            <p:childTnLst>
+                              <p:par>
+                                <p:cTn id="9" presetID="1" presetClass="entr" presetSubtype="0" fill="hold" nodeType="clickEffect">
+                                  <p:stCondLst>
+                                    <p:cond delay="0"/>
+                                  </p:stCondLst>
+                                  <p:childTnLst>
+                                    <p:set>
+                                      <p:cBhvr>
+                                        <p:cTn id="10" dur="1" fill="hold">
+                                          <p:stCondLst>
+                                            <p:cond delay="0"/>
+                                          </p:stCondLst>
+                                        </p:cTn>
+                                        <p:tgtEl>
+                                          <p:spTgt spid="3">
+                                            <p:txEl>
                                               <p:pRg st="2" end="2"/>
                                             </p:txEl>
                                           </p:spTgt>
@@ -22466,14 +22651,14 @@
                                 </p:cTn>
                               </p:par>
                               <p:par>
-                                <p:cTn id="7" presetID="1" presetClass="entr" presetSubtype="0" fill="hold" nodeType="withEffect">
+                                <p:cTn id="11" presetID="1" presetClass="entr" presetSubtype="0" fill="hold" nodeType="withEffect">
                                   <p:stCondLst>
                                     <p:cond delay="0"/>
                                   </p:stCondLst>
                                   <p:childTnLst>
                                     <p:set>
                                       <p:cBhvr>
-                                        <p:cTn id="8" dur="1" fill="hold">
+                                        <p:cTn id="12" dur="1" fill="hold">
                                           <p:stCondLst>
                                             <p:cond delay="0"/>
                                           </p:stCondLst>
@@ -23255,6 +23440,104 @@
                                         <p:tgtEl>
                                           <p:spTgt spid="3">
                                             <p:txEl>
+                                              <p:pRg st="1" end="1"/>
+                                            </p:txEl>
+                                          </p:spTgt>
+                                        </p:tgtEl>
+                                        <p:attrNameLst>
+                                          <p:attrName>style.visibility</p:attrName>
+                                        </p:attrNameLst>
+                                      </p:cBhvr>
+                                      <p:to>
+                                        <p:strVal val="visible"/>
+                                      </p:to>
+                                    </p:set>
+                                  </p:childTnLst>
+                                </p:cTn>
+                              </p:par>
+                            </p:childTnLst>
+                          </p:cTn>
+                        </p:par>
+                      </p:childTnLst>
+                    </p:cTn>
+                  </p:par>
+                  <p:par>
+                    <p:cTn id="7" fill="hold">
+                      <p:stCondLst>
+                        <p:cond delay="indefinite"/>
+                      </p:stCondLst>
+                      <p:childTnLst>
+                        <p:par>
+                          <p:cTn id="8" fill="hold">
+                            <p:stCondLst>
+                              <p:cond delay="0"/>
+                            </p:stCondLst>
+                            <p:childTnLst>
+                              <p:par>
+                                <p:cTn id="9" presetID="1" presetClass="entr" presetSubtype="0" fill="hold" nodeType="clickEffect">
+                                  <p:stCondLst>
+                                    <p:cond delay="0"/>
+                                  </p:stCondLst>
+                                  <p:childTnLst>
+                                    <p:set>
+                                      <p:cBhvr>
+                                        <p:cTn id="10" dur="1" fill="hold">
+                                          <p:stCondLst>
+                                            <p:cond delay="0"/>
+                                          </p:stCondLst>
+                                        </p:cTn>
+                                        <p:tgtEl>
+                                          <p:spTgt spid="3">
+                                            <p:txEl>
+                                              <p:pRg st="2" end="2"/>
+                                            </p:txEl>
+                                          </p:spTgt>
+                                        </p:tgtEl>
+                                        <p:attrNameLst>
+                                          <p:attrName>style.visibility</p:attrName>
+                                        </p:attrNameLst>
+                                      </p:cBhvr>
+                                      <p:to>
+                                        <p:strVal val="visible"/>
+                                      </p:to>
+                                    </p:set>
+                                  </p:childTnLst>
+                                </p:cTn>
+                              </p:par>
+                            </p:childTnLst>
+                          </p:cTn>
+                        </p:par>
+                      </p:childTnLst>
+                    </p:cTn>
+                  </p:par>
+                  <p:par>
+                    <p:cTn id="11" fill="hold">
+                      <p:stCondLst>
+                        <p:cond delay="indefinite"/>
+                      </p:stCondLst>
+                      <p:childTnLst>
+                        <p:par>
+                          <p:cTn id="12" fill="hold">
+                            <p:stCondLst>
+                              <p:cond delay="0"/>
+                            </p:stCondLst>
+                            <p:childTnLst>
+                              <p:par>
+                                <p:cTn id="13" presetID="1" presetClass="entr" presetSubtype="0" fill="hold" nodeType="clickEffect">
+                                  <p:stCondLst>
+                                    <p:cond delay="0"/>
+                                  </p:stCondLst>
+                                  <p:childTnLst>
+                                    <p:set>
+                                      <p:cBhvr>
+                                        <p:cTn id="14" dur="1" fill="hold">
+                                          <p:stCondLst>
+                                            <p:cond delay="0"/>
+                                          </p:stCondLst>
+                                        </p:cTn>
+                                        <p:tgtEl>
+                                          <p:spTgt spid="3">
+                                            <p:txEl>
                                               <p:pRg st="3" end="3"/>
                                             </p:txEl>
                                           </p:spTgt>
@@ -23586,6 +23869,104 @@
                                     <p:set>
                                       <p:cBhvr>
                                         <p:cTn id="6" dur="1" fill="hold">
+                                          <p:stCondLst>
+                                            <p:cond delay="0"/>
+                                          </p:stCondLst>
+                                        </p:cTn>
+                                        <p:tgtEl>
+                                          <p:spTgt spid="3">
+                                            <p:txEl>
+                                              <p:pRg st="1" end="1"/>
+                                            </p:txEl>
+                                          </p:spTgt>
+                                        </p:tgtEl>
+                                        <p:attrNameLst>
+                                          <p:attrName>style.visibility</p:attrName>
+                                        </p:attrNameLst>
+                                      </p:cBhvr>
+                                      <p:to>
+                                        <p:strVal val="visible"/>
+                                      </p:to>
+                                    </p:set>
+                                  </p:childTnLst>
+                                </p:cTn>
+                              </p:par>
+                            </p:childTnLst>
+                          </p:cTn>
+                        </p:par>
+                      </p:childTnLst>
+                    </p:cTn>
+                  </p:par>
+                  <p:par>
+                    <p:cTn id="7" fill="hold">
+                      <p:stCondLst>
+                        <p:cond delay="indefinite"/>
+                      </p:stCondLst>
+                      <p:childTnLst>
+                        <p:par>
+                          <p:cTn id="8" fill="hold">
+                            <p:stCondLst>
+                              <p:cond delay="0"/>
+                            </p:stCondLst>
+                            <p:childTnLst>
+                              <p:par>
+                                <p:cTn id="9" presetID="1" presetClass="entr" presetSubtype="0" fill="hold" nodeType="clickEffect">
+                                  <p:stCondLst>
+                                    <p:cond delay="0"/>
+                                  </p:stCondLst>
+                                  <p:childTnLst>
+                                    <p:set>
+                                      <p:cBhvr>
+                                        <p:cTn id="10" dur="1" fill="hold">
+                                          <p:stCondLst>
+                                            <p:cond delay="0"/>
+                                          </p:stCondLst>
+                                        </p:cTn>
+                                        <p:tgtEl>
+                                          <p:spTgt spid="3">
+                                            <p:txEl>
+                                              <p:pRg st="2" end="2"/>
+                                            </p:txEl>
+                                          </p:spTgt>
+                                        </p:tgtEl>
+                                        <p:attrNameLst>
+                                          <p:attrName>style.visibility</p:attrName>
+                                        </p:attrNameLst>
+                                      </p:cBhvr>
+                                      <p:to>
+                                        <p:strVal val="visible"/>
+                                      </p:to>
+                                    </p:set>
+                                  </p:childTnLst>
+                                </p:cTn>
+                              </p:par>
+                            </p:childTnLst>
+                          </p:cTn>
+                        </p:par>
+                      </p:childTnLst>
+                    </p:cTn>
+                  </p:par>
+                  <p:par>
+                    <p:cTn id="11" fill="hold">
+                      <p:stCondLst>
+                        <p:cond delay="indefinite"/>
+                      </p:stCondLst>
+                      <p:childTnLst>
+                        <p:par>
+                          <p:cTn id="12" fill="hold">
+                            <p:stCondLst>
+                              <p:cond delay="0"/>
+                            </p:stCondLst>
+                            <p:childTnLst>
+                              <p:par>
+                                <p:cTn id="13" presetID="1" presetClass="entr" presetSubtype="0" fill="hold" nodeType="clickEffect">
+                                  <p:stCondLst>
+                                    <p:cond delay="0"/>
+                                  </p:stCondLst>
+                                  <p:childTnLst>
+                                    <p:set>
+                                      <p:cBhvr>
+                                        <p:cTn id="14" dur="1" fill="hold">
                                           <p:stCondLst>
                                             <p:cond delay="0"/>
                                           </p:stCondLst>
@@ -24485,15 +24866,7 @@
             </a:r>
             <a:r>
               <a:rPr lang="ru-RU" dirty="0"/>
-              <a:t> за </a:t>
-            </a:r>
-            <a:r>
-              <a:rPr lang="ru-RU" dirty="0" err="1"/>
-              <a:t>импортиране</a:t>
-            </a:r>
-            <a:r>
-              <a:rPr lang="ru-RU" dirty="0"/>
-              <a:t>:</a:t>
+              <a:t> за импортиране:</a:t>
             </a:r>
           </a:p>
           <a:p>
@@ -24774,6 +25147,134 @@
       <p:transition spd="slow" advClick="0" advTm="5000"/>
     </mc:Fallback>
   </mc:AlternateContent>
+  <p:timing>
+    <p:tnLst>
+      <p:par>
+        <p:cTn id="1" dur="indefinite" restart="never" nodeType="tmRoot">
+          <p:childTnLst>
+            <p:seq concurrent="1" nextAc="seek">
+              <p:cTn id="2" dur="indefinite" nodeType="mainSeq">
+                <p:childTnLst>
+                  <p:par>
+                    <p:cTn id="3" fill="hold">
+                      <p:stCondLst>
+                        <p:cond delay="indefinite"/>
+                      </p:stCondLst>
+                      <p:childTnLst>
+                        <p:par>
+                          <p:cTn id="4" fill="hold">
+                            <p:stCondLst>
+                              <p:cond delay="0"/>
+                            </p:stCondLst>
+                            <p:childTnLst>
+                              <p:par>
+                                <p:cTn id="5" presetID="1" presetClass="entr" presetSubtype="0" fill="hold" nodeType="clickEffect">
+                                  <p:stCondLst>
+                                    <p:cond delay="0"/>
+                                  </p:stCondLst>
+                                  <p:childTnLst>
+                                    <p:set>
+                                      <p:cBhvr>
+                                        <p:cTn id="6" dur="1" fill="hold">
+                                          <p:stCondLst>
+                                            <p:cond delay="0"/>
+                                          </p:stCondLst>
+                                        </p:cTn>
+                                        <p:tgtEl>
+                                          <p:spTgt spid="3">
+                                            <p:txEl>
+                                              <p:pRg st="1" end="1"/>
+                                            </p:txEl>
+                                          </p:spTgt>
+                                        </p:tgtEl>
+                                        <p:attrNameLst>
+                                          <p:attrName>style.visibility</p:attrName>
+                                        </p:attrNameLst>
+                                      </p:cBhvr>
+                                      <p:to>
+                                        <p:strVal val="visible"/>
+                                      </p:to>
+                                    </p:set>
+                                  </p:childTnLst>
+                                </p:cTn>
+                              </p:par>
+                            </p:childTnLst>
+                          </p:cTn>
+                        </p:par>
+                      </p:childTnLst>
+                    </p:cTn>
+                  </p:par>
+                  <p:par>
+                    <p:cTn id="7" fill="hold">
+                      <p:stCondLst>
+                        <p:cond delay="indefinite"/>
+                      </p:stCondLst>
+                      <p:childTnLst>
+                        <p:par>
+                          <p:cTn id="8" fill="hold">
+                            <p:stCondLst>
+                              <p:cond delay="0"/>
+                            </p:stCondLst>
+                            <p:childTnLst>
+                              <p:par>
+                                <p:cTn id="9" presetID="1" presetClass="entr" presetSubtype="0" fill="hold" nodeType="clickEffect">
+                                  <p:stCondLst>
+                                    <p:cond delay="0"/>
+                                  </p:stCondLst>
+                                  <p:childTnLst>
+                                    <p:set>
+                                      <p:cBhvr>
+                                        <p:cTn id="10" dur="1" fill="hold">
+                                          <p:stCondLst>
+                                            <p:cond delay="0"/>
+                                          </p:stCondLst>
+                                        </p:cTn>
+                                        <p:tgtEl>
+                                          <p:spTgt spid="3">
+                                            <p:txEl>
+                                              <p:pRg st="2" end="2"/>
+                                            </p:txEl>
+                                          </p:spTgt>
+                                        </p:tgtEl>
+                                        <p:attrNameLst>
+                                          <p:attrName>style.visibility</p:attrName>
+                                        </p:attrNameLst>
+                                      </p:cBhvr>
+                                      <p:to>
+                                        <p:strVal val="visible"/>
+                                      </p:to>
+                                    </p:set>
+                                  </p:childTnLst>
+                                </p:cTn>
+                              </p:par>
+                            </p:childTnLst>
+                          </p:cTn>
+                        </p:par>
+                      </p:childTnLst>
+                    </p:cTn>
+                  </p:par>
+                </p:childTnLst>
+              </p:cTn>
+              <p:prevCondLst>
+                <p:cond evt="onPrev" delay="0">
+                  <p:tgtEl>
+                    <p:sldTgt/>
+                  </p:tgtEl>
+                </p:cond>
+              </p:prevCondLst>
+              <p:nextCondLst>
+                <p:cond evt="onNext" delay="0">
+                  <p:tgtEl>
+                    <p:sldTgt/>
+                  </p:tgtEl>
+                </p:cond>
+              </p:nextCondLst>
+            </p:seq>
+          </p:childTnLst>
+        </p:cTn>
+      </p:par>
+    </p:tnLst>
+  </p:timing>
 </p:sld>
 </file>
 
@@ -25782,7 +26283,7 @@
 </file>
 
 <file path=ppt/slides/slide44.xml><?xml version="1.0" encoding="utf-8"?>
-<p:sld xmlns:a="http://schemas.openxmlformats.org/drawingml/2006/main" xmlns:r="http://schemas.openxmlformats.org/officeDocument/2006/relationships" xmlns:p="http://schemas.openxmlformats.org/presentationml/2006/main">
+<p:sld xmlns:a="http://schemas.openxmlformats.org/drawingml/2006/main" xmlns:r="http://schemas.openxmlformats.org/officeDocument/2006/relationships" xmlns:p="http://schemas.openxmlformats.org/presentationml/2006/main" show="0">
   <p:cSld>
     <p:spTree>
       <p:nvGrpSpPr>
@@ -26592,7 +27093,7 @@
                                         <p:tgtEl>
                                           <p:spTgt spid="3">
                                             <p:txEl>
-                                              <p:pRg st="2" end="2"/>
+                                              <p:pRg st="1" end="1"/>
                                             </p:txEl>
                                           </p:spTgt>
                                         </p:tgtEl>
@@ -26641,7 +27142,7 @@
                                         <p:tgtEl>
                                           <p:spTgt spid="3">
                                             <p:txEl>
-                                              <p:pRg st="3" end="3"/>
+                                              <p:pRg st="2" end="2"/>
                                             </p:txEl>
                                           </p:spTgt>
                                         </p:tgtEl>
@@ -26690,6 +27191,55 @@
                                         <p:tgtEl>
                                           <p:spTgt spid="3">
                                             <p:txEl>
+                                              <p:pRg st="3" end="3"/>
+                                            </p:txEl>
+                                          </p:spTgt>
+                                        </p:tgtEl>
+                                        <p:attrNameLst>
+                                          <p:attrName>style.visibility</p:attrName>
+                                        </p:attrNameLst>
+                                      </p:cBhvr>
+                                      <p:to>
+                                        <p:strVal val="visible"/>
+                                      </p:to>
+                                    </p:set>
+                                  </p:childTnLst>
+                                </p:cTn>
+                              </p:par>
+                            </p:childTnLst>
+                          </p:cTn>
+                        </p:par>
+                      </p:childTnLst>
+                    </p:cTn>
+                  </p:par>
+                  <p:par>
+                    <p:cTn id="15" fill="hold">
+                      <p:stCondLst>
+                        <p:cond delay="indefinite"/>
+                      </p:stCondLst>
+                      <p:childTnLst>
+                        <p:par>
+                          <p:cTn id="16" fill="hold">
+                            <p:stCondLst>
+                              <p:cond delay="0"/>
+                            </p:stCondLst>
+                            <p:childTnLst>
+                              <p:par>
+                                <p:cTn id="17" presetID="1" presetClass="entr" presetSubtype="0" fill="hold" nodeType="clickEffect">
+                                  <p:stCondLst>
+                                    <p:cond delay="0"/>
+                                  </p:stCondLst>
+                                  <p:childTnLst>
+                                    <p:set>
+                                      <p:cBhvr>
+                                        <p:cTn id="18" dur="1" fill="hold">
+                                          <p:stCondLst>
+                                            <p:cond delay="0"/>
+                                          </p:stCondLst>
+                                        </p:cTn>
+                                        <p:tgtEl>
+                                          <p:spTgt spid="3">
+                                            <p:txEl>
                                               <p:pRg st="4" end="4"/>
                                             </p:txEl>
                                           </p:spTgt>
@@ -26706,14 +27256,14 @@
                                 </p:cTn>
                               </p:par>
                               <p:par>
-                                <p:cTn id="15" presetID="1" presetClass="entr" presetSubtype="0" fill="hold" nodeType="withEffect">
+                                <p:cTn id="19" presetID="1" presetClass="entr" presetSubtype="0" fill="hold" nodeType="withEffect">
                                   <p:stCondLst>
                                     <p:cond delay="0"/>
                                   </p:stCondLst>
                                   <p:childTnLst>
                                     <p:set>
                                       <p:cBhvr>
-                                        <p:cTn id="16" dur="1" fill="hold">
+                                        <p:cTn id="20" dur="1" fill="hold">
                                           <p:stCondLst>
                                             <p:cond delay="0"/>
                                           </p:stCondLst>
@@ -26743,26 +27293,26 @@
                     </p:cTn>
                   </p:par>
                   <p:par>
-                    <p:cTn id="17" fill="hold">
+                    <p:cTn id="21" fill="hold">
                       <p:stCondLst>
                         <p:cond delay="indefinite"/>
                       </p:stCondLst>
                       <p:childTnLst>
                         <p:par>
-                          <p:cTn id="18" fill="hold">
+                          <p:cTn id="22" fill="hold">
                             <p:stCondLst>
                               <p:cond delay="0"/>
                             </p:stCondLst>
                             <p:childTnLst>
                               <p:par>
-                                <p:cTn id="19" presetID="1" presetClass="entr" presetSubtype="0" fill="hold" nodeType="clickEffect">
+                                <p:cTn id="23" presetID="1" presetClass="entr" presetSubtype="0" fill="hold" nodeType="clickEffect">
                                   <p:stCondLst>
                                     <p:cond delay="0"/>
                                   </p:stCondLst>
                                   <p:childTnLst>
                                     <p:set>
                                       <p:cBhvr>
-                                        <p:cTn id="20" dur="1" fill="hold">
+                                        <p:cTn id="24" dur="1" fill="hold">
                                           <p:stCondLst>
                                             <p:cond delay="0"/>
                                           </p:stCondLst>
@@ -27364,6 +27914,85 @@
       <p:transition spd="slow" advClick="0" advTm="5000"/>
     </mc:Fallback>
   </mc:AlternateContent>
+  <p:timing>
+    <p:tnLst>
+      <p:par>
+        <p:cTn id="1" dur="indefinite" restart="never" nodeType="tmRoot">
+          <p:childTnLst>
+            <p:seq concurrent="1" nextAc="seek">
+              <p:cTn id="2" dur="indefinite" nodeType="mainSeq">
+                <p:childTnLst>
+                  <p:par>
+                    <p:cTn id="3" fill="hold">
+                      <p:stCondLst>
+                        <p:cond delay="indefinite"/>
+                      </p:stCondLst>
+                      <p:childTnLst>
+                        <p:par>
+                          <p:cTn id="4" fill="hold">
+                            <p:stCondLst>
+                              <p:cond delay="0"/>
+                            </p:stCondLst>
+                            <p:childTnLst>
+                              <p:par>
+                                <p:cTn id="5" presetID="1" presetClass="entr" presetSubtype="0" fill="hold" nodeType="clickEffect">
+                                  <p:stCondLst>
+                                    <p:cond delay="0"/>
+                                  </p:stCondLst>
+                                  <p:childTnLst>
+                                    <p:set>
+                                      <p:cBhvr>
+                                        <p:cTn id="6" dur="1" fill="hold">
+                                          <p:stCondLst>
+                                            <p:cond delay="0"/>
+                                          </p:stCondLst>
+                                        </p:cTn>
+                                        <p:tgtEl>
+                                          <p:spTgt spid="3">
+                                            <p:txEl>
+                                              <p:pRg st="1" end="1"/>
+                                            </p:txEl>
+                                          </p:spTgt>
+                                        </p:tgtEl>
+                                        <p:attrNameLst>
+                                          <p:attrName>style.visibility</p:attrName>
+                                        </p:attrNameLst>
+                                      </p:cBhvr>
+                                      <p:to>
+                                        <p:strVal val="visible"/>
+                                      </p:to>
+                                    </p:set>
+                                  </p:childTnLst>
+                                </p:cTn>
+                              </p:par>
+                            </p:childTnLst>
+                          </p:cTn>
+                        </p:par>
+                      </p:childTnLst>
+                    </p:cTn>
+                  </p:par>
+                </p:childTnLst>
+              </p:cTn>
+              <p:prevCondLst>
+                <p:cond evt="onPrev" delay="0">
+                  <p:tgtEl>
+                    <p:sldTgt/>
+                  </p:tgtEl>
+                </p:cond>
+              </p:prevCondLst>
+              <p:nextCondLst>
+                <p:cond evt="onNext" delay="0">
+                  <p:tgtEl>
+                    <p:sldTgt/>
+                  </p:tgtEl>
+                </p:cond>
+              </p:nextCondLst>
+            </p:seq>
+          </p:childTnLst>
+        </p:cTn>
+      </p:par>
+    </p:tnLst>
+  </p:timing>
 </p:sld>
 </file>
 

--- a/Courses/Software-Sciences/Module-3-Databases-New/13-MS-Access/13-MS-Access-Basics.pptx
+++ b/Courses/Software-Sciences/Module-3-Databases-New/13-MS-Access/13-MS-Access-Basics.pptx
@@ -341,7 +341,7 @@
           <a:p>
             <a:fld id="{4E087215-0C8F-4762-A664-737A353EC9A4}" type="datetimeFigureOut">
               <a:rPr lang="bg-BG" smtClean="0"/>
-              <a:t>31.07.24 г.</a:t>
+              <a:t>26.8.2024 г.</a:t>
             </a:fld>
             <a:endParaRPr lang="bg-BG"/>
           </a:p>
@@ -537,7 +537,7 @@
           <a:p>
             <a:fld id="{72D84649-876A-46C9-8472-14CB09C070D8}" type="datetimeFigureOut">
               <a:rPr lang="en-US" smtClean="0"/>
-              <a:t>7/31/24</a:t>
+              <a:t>8/26/2024</a:t>
             </a:fld>
             <a:endParaRPr lang="en-US"/>
           </a:p>
@@ -20359,7 +20359,10 @@
           <a:noFill/>
           <a:ln w="57150">
             <a:solidFill>
-              <a:schemeClr val="tx1"/>
+              <a:schemeClr val="bg1">
+                <a:lumMod val="60000"/>
+                <a:lumOff val="40000"/>
+              </a:schemeClr>
             </a:solidFill>
             <a:prstDash val="solid"/>
           </a:ln>
@@ -20426,7 +20429,10 @@
           <a:noFill/>
           <a:ln w="57150">
             <a:solidFill>
-              <a:schemeClr val="tx1"/>
+              <a:schemeClr val="bg1">
+                <a:lumMod val="60000"/>
+                <a:lumOff val="40000"/>
+              </a:schemeClr>
             </a:solidFill>
             <a:prstDash val="solid"/>
           </a:ln>
